--- a/Unterlagen/Verteidigung.pptx
+++ b/Unterlagen/Verteidigung.pptx
@@ -5,7 +5,7 @@
     <p:sldMasterId id="2147483678" r:id="rId1"/>
   </p:sldMasterIdLst>
   <p:notesMasterIdLst>
-    <p:notesMasterId r:id="rId23"/>
+    <p:notesMasterId r:id="rId24"/>
   </p:notesMasterIdLst>
   <p:sldIdLst>
     <p:sldId id="256" r:id="rId2"/>
@@ -15,20 +15,21 @@
     <p:sldId id="260" r:id="rId6"/>
     <p:sldId id="259" r:id="rId7"/>
     <p:sldId id="261" r:id="rId8"/>
-    <p:sldId id="262" r:id="rId9"/>
-    <p:sldId id="263" r:id="rId10"/>
-    <p:sldId id="264" r:id="rId11"/>
-    <p:sldId id="265" r:id="rId12"/>
-    <p:sldId id="267" r:id="rId13"/>
-    <p:sldId id="268" r:id="rId14"/>
-    <p:sldId id="269" r:id="rId15"/>
-    <p:sldId id="270" r:id="rId16"/>
-    <p:sldId id="271" r:id="rId17"/>
-    <p:sldId id="272" r:id="rId18"/>
-    <p:sldId id="278" r:id="rId19"/>
-    <p:sldId id="274" r:id="rId20"/>
-    <p:sldId id="275" r:id="rId21"/>
-    <p:sldId id="276" r:id="rId22"/>
+    <p:sldId id="279" r:id="rId9"/>
+    <p:sldId id="262" r:id="rId10"/>
+    <p:sldId id="263" r:id="rId11"/>
+    <p:sldId id="264" r:id="rId12"/>
+    <p:sldId id="265" r:id="rId13"/>
+    <p:sldId id="267" r:id="rId14"/>
+    <p:sldId id="268" r:id="rId15"/>
+    <p:sldId id="269" r:id="rId16"/>
+    <p:sldId id="270" r:id="rId17"/>
+    <p:sldId id="271" r:id="rId18"/>
+    <p:sldId id="272" r:id="rId19"/>
+    <p:sldId id="278" r:id="rId20"/>
+    <p:sldId id="274" r:id="rId21"/>
+    <p:sldId id="275" r:id="rId22"/>
+    <p:sldId id="276" r:id="rId23"/>
   </p:sldIdLst>
   <p:sldSz cx="12192000" cy="6858000"/>
   <p:notesSz cx="6858000" cy="9144000"/>
@@ -229,7 +230,7 @@
           <a:p>
             <a:fld id="{9A84ADE9-DB28-4A0A-A172-41AA3661AA03}" type="datetimeFigureOut">
               <a:rPr lang="de-DE" smtClean="0"/>
-              <a:t>08.06.2020</a:t>
+              <a:t>12.06.2020</a:t>
             </a:fld>
             <a:endParaRPr lang="de-DE"/>
           </a:p>
@@ -1189,7 +1190,7 @@
           <a:p>
             <a:fld id="{99A5A5CC-6DB7-4048-A500-D10DCB643E46}" type="slidenum">
               <a:rPr lang="de-DE" smtClean="0"/>
-              <a:t>8</a:t>
+              <a:t>9</a:t>
             </a:fld>
             <a:endParaRPr lang="de-DE"/>
           </a:p>
@@ -1337,7 +1338,7 @@
           <a:p>
             <a:fld id="{99A5A5CC-6DB7-4048-A500-D10DCB643E46}" type="slidenum">
               <a:rPr lang="de-DE" smtClean="0"/>
-              <a:t>9</a:t>
+              <a:t>10</a:t>
             </a:fld>
             <a:endParaRPr lang="de-DE"/>
           </a:p>
@@ -1433,7 +1434,7 @@
           <a:p>
             <a:fld id="{99A5A5CC-6DB7-4048-A500-D10DCB643E46}" type="slidenum">
               <a:rPr lang="de-DE" smtClean="0"/>
-              <a:t>10</a:t>
+              <a:t>11</a:t>
             </a:fld>
             <a:endParaRPr lang="de-DE"/>
           </a:p>
@@ -1520,7 +1521,7 @@
           <a:p>
             <a:fld id="{99A5A5CC-6DB7-4048-A500-D10DCB643E46}" type="slidenum">
               <a:rPr lang="de-DE" smtClean="0"/>
-              <a:t>13</a:t>
+              <a:t>14</a:t>
             </a:fld>
             <a:endParaRPr lang="de-DE"/>
           </a:p>
@@ -1725,7 +1726,7 @@
           <a:p>
             <a:fld id="{A1F0FC0D-3186-42C1-9FEB-DF87B478E717}" type="datetime1">
               <a:rPr lang="de-DE" smtClean="0"/>
-              <a:t>08.06.2020</a:t>
+              <a:t>12.06.2020</a:t>
             </a:fld>
             <a:endParaRPr lang="de-DE"/>
           </a:p>
@@ -2000,7 +2001,7 @@
           <a:p>
             <a:fld id="{76476C2C-4286-47EF-AB2A-8680B536CB4D}" type="datetime1">
               <a:rPr lang="de-DE" smtClean="0"/>
-              <a:t>08.06.2020</a:t>
+              <a:t>12.06.2020</a:t>
             </a:fld>
             <a:endParaRPr lang="de-DE"/>
           </a:p>
@@ -2194,7 +2195,7 @@
           <a:p>
             <a:fld id="{C3260BB7-F8F7-4802-95E0-96B236C3C76B}" type="datetime1">
               <a:rPr lang="de-DE" smtClean="0"/>
-              <a:t>08.06.2020</a:t>
+              <a:t>12.06.2020</a:t>
             </a:fld>
             <a:endParaRPr lang="de-DE"/>
           </a:p>
@@ -2467,7 +2468,7 @@
           <a:p>
             <a:fld id="{7D504761-35E0-47DA-A417-ED3BA20B1F62}" type="datetime1">
               <a:rPr lang="de-DE" smtClean="0"/>
-              <a:t>08.06.2020</a:t>
+              <a:t>12.06.2020</a:t>
             </a:fld>
             <a:endParaRPr lang="de-DE"/>
           </a:p>
@@ -2808,7 +2809,7 @@
           <a:p>
             <a:fld id="{717A12A4-E786-49F6-9E74-CB7092EB9607}" type="datetime1">
               <a:rPr lang="de-DE" smtClean="0"/>
-              <a:t>08.06.2020</a:t>
+              <a:t>12.06.2020</a:t>
             </a:fld>
             <a:endParaRPr lang="de-DE"/>
           </a:p>
@@ -3431,7 +3432,7 @@
           <a:p>
             <a:fld id="{E93A64C4-D6AD-43BF-840F-3DC64D412330}" type="datetime1">
               <a:rPr lang="de-DE" smtClean="0"/>
-              <a:t>08.06.2020</a:t>
+              <a:t>12.06.2020</a:t>
             </a:fld>
             <a:endParaRPr lang="de-DE"/>
           </a:p>
@@ -4291,7 +4292,7 @@
           <a:p>
             <a:fld id="{7B7D757A-C7D7-4397-A608-FC27B1D0D293}" type="datetime1">
               <a:rPr lang="de-DE" smtClean="0"/>
-              <a:t>08.06.2020</a:t>
+              <a:t>12.06.2020</a:t>
             </a:fld>
             <a:endParaRPr lang="de-DE"/>
           </a:p>
@@ -4461,7 +4462,7 @@
           <a:p>
             <a:fld id="{D312A52B-FC7E-4912-BC30-99A8D1C421B3}" type="datetime1">
               <a:rPr lang="de-DE" smtClean="0"/>
-              <a:t>08.06.2020</a:t>
+              <a:t>12.06.2020</a:t>
             </a:fld>
             <a:endParaRPr lang="de-DE"/>
           </a:p>
@@ -4641,7 +4642,7 @@
           <a:p>
             <a:fld id="{497B7962-CC57-4993-BBF3-C3FDFF0EE669}" type="datetime1">
               <a:rPr lang="de-DE" smtClean="0"/>
-              <a:t>08.06.2020</a:t>
+              <a:t>12.06.2020</a:t>
             </a:fld>
             <a:endParaRPr lang="de-DE"/>
           </a:p>
@@ -4811,7 +4812,7 @@
           <a:p>
             <a:fld id="{88B69FB4-7853-4E53-977D-93AE37DFD9A5}" type="datetime1">
               <a:rPr lang="de-DE" smtClean="0"/>
-              <a:t>08.06.2020</a:t>
+              <a:t>12.06.2020</a:t>
             </a:fld>
             <a:endParaRPr lang="de-DE"/>
           </a:p>
@@ -5058,7 +5059,7 @@
           <a:p>
             <a:fld id="{29C4A55F-C53C-4138-BC98-D831E0B636BB}" type="datetime1">
               <a:rPr lang="de-DE" smtClean="0"/>
-              <a:t>08.06.2020</a:t>
+              <a:t>12.06.2020</a:t>
             </a:fld>
             <a:endParaRPr lang="de-DE"/>
           </a:p>
@@ -5350,7 +5351,7 @@
           <a:p>
             <a:fld id="{39FDBBD9-B05F-4D91-99C0-4CF18D1E3957}" type="datetime1">
               <a:rPr lang="de-DE" smtClean="0"/>
-              <a:t>08.06.2020</a:t>
+              <a:t>12.06.2020</a:t>
             </a:fld>
             <a:endParaRPr lang="de-DE"/>
           </a:p>
@@ -5794,7 +5795,7 @@
           <a:p>
             <a:fld id="{1A5A3C2F-AEFA-459C-AC20-50BDC51A6303}" type="datetime1">
               <a:rPr lang="de-DE" smtClean="0"/>
-              <a:t>08.06.2020</a:t>
+              <a:t>12.06.2020</a:t>
             </a:fld>
             <a:endParaRPr lang="de-DE"/>
           </a:p>
@@ -5912,7 +5913,7 @@
           <a:p>
             <a:fld id="{4D03905E-F4C5-4F37-ABCD-248F305376F1}" type="datetime1">
               <a:rPr lang="de-DE" smtClean="0"/>
-              <a:t>08.06.2020</a:t>
+              <a:t>12.06.2020</a:t>
             </a:fld>
             <a:endParaRPr lang="de-DE"/>
           </a:p>
@@ -6007,7 +6008,7 @@
           <a:p>
             <a:fld id="{017FD1AC-B073-412C-9988-F89F84B9256E}" type="datetime1">
               <a:rPr lang="de-DE" smtClean="0"/>
-              <a:t>08.06.2020</a:t>
+              <a:t>12.06.2020</a:t>
             </a:fld>
             <a:endParaRPr lang="de-DE"/>
           </a:p>
@@ -6286,7 +6287,7 @@
           <a:p>
             <a:fld id="{6804DF7F-B6D0-4BD3-9532-7871733E6BB7}" type="datetime1">
               <a:rPr lang="de-DE" smtClean="0"/>
-              <a:t>08.06.2020</a:t>
+              <a:t>12.06.2020</a:t>
             </a:fld>
             <a:endParaRPr lang="de-DE"/>
           </a:p>
@@ -6561,7 +6562,7 @@
           <a:p>
             <a:fld id="{8A12425C-1CA6-40C5-B311-43E687ED943B}" type="datetime1">
               <a:rPr lang="de-DE" smtClean="0"/>
-              <a:t>08.06.2020</a:t>
+              <a:t>12.06.2020</a:t>
             </a:fld>
             <a:endParaRPr lang="de-DE"/>
           </a:p>
@@ -6990,7 +6991,7 @@
           <a:p>
             <a:fld id="{2A9272AA-872F-4724-8F82-489ECBBB31F9}" type="datetime1">
               <a:rPr lang="de-DE" smtClean="0"/>
-              <a:t>08.06.2020</a:t>
+              <a:t>12.06.2020</a:t>
             </a:fld>
             <a:endParaRPr lang="de-DE"/>
           </a:p>
@@ -7663,6 +7664,234 @@
           <p:cNvPr id="2" name="Titel 1">
             <a:extLst>
               <a:ext uri="{FF2B5EF4-FFF2-40B4-BE49-F238E27FC236}">
+                <a16:creationId xmlns:a16="http://schemas.microsoft.com/office/drawing/2014/main" id="{8816A112-FAB8-4C10-951D-77F60CC39D95}"/>
+              </a:ext>
+            </a:extLst>
+          </p:cNvPr>
+          <p:cNvSpPr>
+            <a:spLocks noGrp="1"/>
+          </p:cNvSpPr>
+          <p:nvPr>
+            <p:ph type="title"/>
+          </p:nvPr>
+        </p:nvSpPr>
+        <p:spPr>
+          <a:xfrm>
+            <a:off x="648930" y="629266"/>
+            <a:ext cx="9252154" cy="1223983"/>
+          </a:xfrm>
+        </p:spPr>
+        <p:txBody>
+          <a:bodyPr>
+            <a:normAutofit/>
+          </a:bodyPr>
+          <a:lstStyle/>
+          <a:p>
+            <a:pPr>
+              <a:lnSpc>
+                <a:spcPct val="90000"/>
+              </a:lnSpc>
+            </a:pPr>
+            <a:r>
+              <a:rPr lang="de-DE" sz="3900" dirty="0"/>
+              <a:t>Vektorgeometrische Pattern Erkennung SIA</a:t>
+            </a:r>
+          </a:p>
+        </p:txBody>
+      </p:sp>
+      <p:sp>
+        <p:nvSpPr>
+          <p:cNvPr id="3" name="Inhaltsplatzhalter 2">
+            <a:extLst>
+              <a:ext uri="{FF2B5EF4-FFF2-40B4-BE49-F238E27FC236}">
+                <a16:creationId xmlns:a16="http://schemas.microsoft.com/office/drawing/2014/main" id="{831F9BDB-407D-49CC-A4FB-312E8C51EEBB}"/>
+              </a:ext>
+            </a:extLst>
+          </p:cNvPr>
+          <p:cNvSpPr>
+            <a:spLocks noGrp="1"/>
+          </p:cNvSpPr>
+          <p:nvPr>
+            <p:ph idx="1"/>
+          </p:nvPr>
+        </p:nvSpPr>
+        <p:spPr>
+          <a:xfrm>
+            <a:off x="1019421" y="2389658"/>
+            <a:ext cx="4338409" cy="4337713"/>
+          </a:xfrm>
+        </p:spPr>
+        <p:txBody>
+          <a:bodyPr>
+            <a:normAutofit/>
+          </a:bodyPr>
+          <a:lstStyle/>
+          <a:p>
+            <a:pPr>
+              <a:lnSpc>
+                <a:spcPct val="90000"/>
+              </a:lnSpc>
+            </a:pPr>
+            <a:r>
+              <a:rPr lang="de-DE" sz="1700" dirty="0"/>
+              <a:t>Vektoren zwischen den Punkten berechnen -&gt; Pattern besitzen gleiche Vektoren</a:t>
+            </a:r>
+          </a:p>
+          <a:p>
+            <a:pPr>
+              <a:lnSpc>
+                <a:spcPct val="90000"/>
+              </a:lnSpc>
+            </a:pPr>
+            <a:r>
+              <a:rPr lang="de-DE" sz="1700" dirty="0"/>
+              <a:t>In lexikografische Reihenfolge bringen</a:t>
+            </a:r>
+          </a:p>
+          <a:p>
+            <a:pPr>
+              <a:lnSpc>
+                <a:spcPct val="90000"/>
+              </a:lnSpc>
+            </a:pPr>
+            <a:r>
+              <a:rPr lang="de-DE" sz="1700" dirty="0"/>
+              <a:t>Pattern stehen in einzelnen lexikografischen Einträgen</a:t>
+            </a:r>
+          </a:p>
+        </p:txBody>
+      </p:sp>
+      <p:pic>
+        <p:nvPicPr>
+          <p:cNvPr id="5" name="Grafik 4">
+            <a:extLst>
+              <a:ext uri="{FF2B5EF4-FFF2-40B4-BE49-F238E27FC236}">
+                <a16:creationId xmlns:a16="http://schemas.microsoft.com/office/drawing/2014/main" id="{9ED25617-6A74-45ED-9E38-BED09EA65FA8}"/>
+              </a:ext>
+            </a:extLst>
+          </p:cNvPr>
+          <p:cNvPicPr>
+            <a:picLocks noChangeAspect="1"/>
+          </p:cNvPicPr>
+          <p:nvPr/>
+        </p:nvPicPr>
+        <p:blipFill>
+          <a:blip r:embed="rId4">
+            <a:extLst>
+              <a:ext uri="{28A0092B-C50C-407E-A947-70E740481C1C}">
+                <a14:useLocalDpi xmlns:a14="http://schemas.microsoft.com/office/drawing/2010/main" val="0"/>
+              </a:ext>
+            </a:extLst>
+          </a:blip>
+          <a:stretch>
+            <a:fillRect/>
+          </a:stretch>
+        </p:blipFill>
+        <p:spPr>
+          <a:xfrm>
+            <a:off x="5159382" y="1165675"/>
+            <a:ext cx="6105102" cy="5561696"/>
+          </a:xfrm>
+          <a:prstGeom prst="rect">
+            <a:avLst/>
+          </a:prstGeom>
+          <a:effectLst>
+            <a:outerShdw blurRad="50800" dist="38100" dir="5400000" algn="t" rotWithShape="0">
+              <a:prstClr val="black">
+                <a:alpha val="43000"/>
+              </a:prstClr>
+            </a:outerShdw>
+          </a:effectLst>
+        </p:spPr>
+      </p:pic>
+      <p:sp>
+        <p:nvSpPr>
+          <p:cNvPr id="6" name="Foliennummernplatzhalter 5">
+            <a:extLst>
+              <a:ext uri="{FF2B5EF4-FFF2-40B4-BE49-F238E27FC236}">
+                <a16:creationId xmlns:a16="http://schemas.microsoft.com/office/drawing/2014/main" id="{7220BD05-F03E-4E70-8DED-4C37ABABCA77}"/>
+              </a:ext>
+            </a:extLst>
+          </p:cNvPr>
+          <p:cNvSpPr>
+            <a:spLocks noGrp="1"/>
+          </p:cNvSpPr>
+          <p:nvPr>
+            <p:ph type="sldNum" sz="quarter" idx="12"/>
+          </p:nvPr>
+        </p:nvSpPr>
+        <p:spPr/>
+        <p:txBody>
+          <a:bodyPr/>
+          <a:lstStyle/>
+          <a:p>
+            <a:fld id="{0F147071-9974-42BF-81B3-0DE54666D966}" type="slidenum">
+              <a:rPr lang="de-DE" smtClean="0"/>
+              <a:t>10</a:t>
+            </a:fld>
+            <a:endParaRPr lang="de-DE"/>
+          </a:p>
+        </p:txBody>
+      </p:sp>
+    </p:spTree>
+    <p:extLst>
+      <p:ext uri="{BB962C8B-B14F-4D97-AF65-F5344CB8AC3E}">
+        <p14:creationId xmlns:p14="http://schemas.microsoft.com/office/powerpoint/2010/main" val="553071043"/>
+      </p:ext>
+    </p:extLst>
+  </p:cSld>
+  <p:clrMapOvr>
+    <a:masterClrMapping/>
+  </p:clrMapOvr>
+</p:sld>
+</file>
+
+<file path=ppt/slides/slide11.xml><?xml version="1.0" encoding="utf-8"?>
+<p:sld xmlns:a="http://schemas.openxmlformats.org/drawingml/2006/main" xmlns:r="http://schemas.openxmlformats.org/officeDocument/2006/relationships" xmlns:p="http://schemas.openxmlformats.org/presentationml/2006/main">
+  <p:cSld>
+    <p:bg>
+      <p:bgPr>
+        <a:blipFill rotWithShape="1">
+          <a:blip r:embed="rId3">
+            <a:duotone>
+              <a:schemeClr val="bg2">
+                <a:shade val="69000"/>
+                <a:hueMod val="108000"/>
+                <a:satMod val="164000"/>
+                <a:lumMod val="74000"/>
+              </a:schemeClr>
+              <a:schemeClr val="bg2">
+                <a:tint val="96000"/>
+                <a:hueMod val="88000"/>
+                <a:satMod val="140000"/>
+                <a:lumMod val="132000"/>
+              </a:schemeClr>
+            </a:duotone>
+          </a:blip>
+          <a:stretch/>
+        </a:blipFill>
+        <a:effectLst/>
+      </p:bgPr>
+    </p:bg>
+    <p:spTree>
+      <p:nvGrpSpPr>
+        <p:cNvPr id="1" name=""/>
+        <p:cNvGrpSpPr/>
+        <p:nvPr/>
+      </p:nvGrpSpPr>
+      <p:grpSpPr>
+        <a:xfrm>
+          <a:off x="0" y="0"/>
+          <a:ext cx="0" cy="0"/>
+          <a:chOff x="0" y="0"/>
+          <a:chExt cx="0" cy="0"/>
+        </a:xfrm>
+      </p:grpSpPr>
+      <p:sp>
+        <p:nvSpPr>
+          <p:cNvPr id="2" name="Titel 1">
+            <a:extLst>
+              <a:ext uri="{FF2B5EF4-FFF2-40B4-BE49-F238E27FC236}">
                 <a16:creationId xmlns:a16="http://schemas.microsoft.com/office/drawing/2014/main" id="{33471826-7832-4803-9AC1-96A2D23B4745}"/>
               </a:ext>
             </a:extLst>
@@ -7742,7 +7971,7 @@
                   <a:spcPts val="600"/>
                 </a:spcAft>
               </a:pPr>
-              <a:t>10</a:t>
+              <a:t>11</a:t>
             </a:fld>
             <a:endParaRPr lang="de-DE"/>
           </a:p>
@@ -7792,7 +8021,7 @@
             <a:pPr lvl="2"/>
             <a:r>
               <a:rPr lang="de-DE" dirty="0"/>
-              <a:t>Bild mit drei Filtern unterteilt</a:t>
+              <a:t>Musikstück mit drei Filtern unterteilt</a:t>
             </a:r>
           </a:p>
           <a:p>
@@ -7886,7 +8115,7 @@
 </p:sld>
 </file>
 
-<file path=ppt/slides/slide11.xml><?xml version="1.0" encoding="utf-8"?>
+<file path=ppt/slides/slide12.xml><?xml version="1.0" encoding="utf-8"?>
 <p:sld xmlns:a="http://schemas.openxmlformats.org/drawingml/2006/main" xmlns:r="http://schemas.openxmlformats.org/officeDocument/2006/relationships" xmlns:p="http://schemas.openxmlformats.org/presentationml/2006/main">
   <p:cSld>
     <p:bg>
@@ -8385,7 +8614,7 @@
                   <a:spcPts val="600"/>
                 </a:spcAft>
               </a:pPr>
-              <a:t>11</a:t>
+              <a:t>12</a:t>
             </a:fld>
             <a:endParaRPr lang="en-US"/>
           </a:p>
@@ -8477,168 +8706,6 @@
 </p:sld>
 </file>
 
-<file path=ppt/slides/slide12.xml><?xml version="1.0" encoding="utf-8"?>
-<p:sld xmlns:a="http://schemas.openxmlformats.org/drawingml/2006/main" xmlns:r="http://schemas.openxmlformats.org/officeDocument/2006/relationships" xmlns:p="http://schemas.openxmlformats.org/presentationml/2006/main">
-  <p:cSld>
-    <p:spTree>
-      <p:nvGrpSpPr>
-        <p:cNvPr id="1" name=""/>
-        <p:cNvGrpSpPr/>
-        <p:nvPr/>
-      </p:nvGrpSpPr>
-      <p:grpSpPr>
-        <a:xfrm>
-          <a:off x="0" y="0"/>
-          <a:ext cx="0" cy="0"/>
-          <a:chOff x="0" y="0"/>
-          <a:chExt cx="0" cy="0"/>
-        </a:xfrm>
-      </p:grpSpPr>
-      <p:sp>
-        <p:nvSpPr>
-          <p:cNvPr id="2" name="Titel 1">
-            <a:extLst>
-              <a:ext uri="{FF2B5EF4-FFF2-40B4-BE49-F238E27FC236}">
-                <a16:creationId xmlns:a16="http://schemas.microsoft.com/office/drawing/2014/main" id="{4CEEE2A7-11BC-4E02-B7C9-708194A66940}"/>
-              </a:ext>
-            </a:extLst>
-          </p:cNvPr>
-          <p:cNvSpPr>
-            <a:spLocks noGrp="1"/>
-          </p:cNvSpPr>
-          <p:nvPr>
-            <p:ph type="title"/>
-          </p:nvPr>
-        </p:nvSpPr>
-        <p:spPr/>
-        <p:txBody>
-          <a:bodyPr/>
-          <a:lstStyle/>
-          <a:p>
-            <a:r>
-              <a:rPr lang="de-DE" dirty="0"/>
-              <a:t>Datenerhebung</a:t>
-            </a:r>
-          </a:p>
-        </p:txBody>
-      </p:sp>
-      <p:sp>
-        <p:nvSpPr>
-          <p:cNvPr id="3" name="Inhaltsplatzhalter 2">
-            <a:extLst>
-              <a:ext uri="{FF2B5EF4-FFF2-40B4-BE49-F238E27FC236}">
-                <a16:creationId xmlns:a16="http://schemas.microsoft.com/office/drawing/2014/main" id="{BB3AF047-F188-41B0-99DE-764EEC08E780}"/>
-              </a:ext>
-            </a:extLst>
-          </p:cNvPr>
-          <p:cNvSpPr>
-            <a:spLocks noGrp="1"/>
-          </p:cNvSpPr>
-          <p:nvPr>
-            <p:ph idx="1"/>
-          </p:nvPr>
-        </p:nvSpPr>
-        <p:spPr>
-          <a:xfrm>
-            <a:off x="646111" y="2209801"/>
-            <a:ext cx="10885939" cy="4195481"/>
-          </a:xfrm>
-        </p:spPr>
-        <p:txBody>
-          <a:bodyPr/>
-          <a:lstStyle/>
-          <a:p>
-            <a:r>
-              <a:rPr lang="de-DE" dirty="0"/>
-              <a:t>Drei Songs unterschiedlicher Genres ausgesucht</a:t>
-            </a:r>
-          </a:p>
-          <a:p>
-            <a:pPr lvl="1"/>
-            <a:r>
-              <a:rPr lang="de-DE" dirty="0"/>
-              <a:t>Beethoven – Ode an die Freude</a:t>
-            </a:r>
-          </a:p>
-          <a:p>
-            <a:pPr lvl="1"/>
-            <a:r>
-              <a:rPr lang="de-DE" dirty="0"/>
-              <a:t>Chainsmokers &amp; Coldplay – Something Just Like This</a:t>
-            </a:r>
-          </a:p>
-          <a:p>
-            <a:pPr lvl="1"/>
-            <a:r>
-              <a:rPr lang="de-DE" dirty="0" err="1"/>
-              <a:t>Darude</a:t>
-            </a:r>
-            <a:r>
-              <a:rPr lang="de-DE" dirty="0"/>
-              <a:t> – </a:t>
-            </a:r>
-            <a:r>
-              <a:rPr lang="de-DE" dirty="0" err="1"/>
-              <a:t>Sandstorm</a:t>
-            </a:r>
-            <a:endParaRPr lang="de-DE" dirty="0"/>
-          </a:p>
-          <a:p>
-            <a:r>
-              <a:rPr lang="de-DE" dirty="0"/>
-              <a:t>Um zu Untersuchen wie Verfahren mit unterschiedlichen Genres umgehen</a:t>
-            </a:r>
-          </a:p>
-          <a:p>
-            <a:r>
-              <a:rPr lang="de-DE" dirty="0"/>
-              <a:t>Für SIA Daten per Hand erstellt, da zeitlicher Aspekt von Bedeutung</a:t>
-            </a:r>
-          </a:p>
-        </p:txBody>
-      </p:sp>
-      <p:sp>
-        <p:nvSpPr>
-          <p:cNvPr id="4" name="Foliennummernplatzhalter 3">
-            <a:extLst>
-              <a:ext uri="{FF2B5EF4-FFF2-40B4-BE49-F238E27FC236}">
-                <a16:creationId xmlns:a16="http://schemas.microsoft.com/office/drawing/2014/main" id="{25DC9543-C6DD-48D5-A0DA-71CC7EAA8F70}"/>
-              </a:ext>
-            </a:extLst>
-          </p:cNvPr>
-          <p:cNvSpPr>
-            <a:spLocks noGrp="1"/>
-          </p:cNvSpPr>
-          <p:nvPr>
-            <p:ph type="sldNum" sz="quarter" idx="12"/>
-          </p:nvPr>
-        </p:nvSpPr>
-        <p:spPr/>
-        <p:txBody>
-          <a:bodyPr/>
-          <a:lstStyle/>
-          <a:p>
-            <a:fld id="{0F147071-9974-42BF-81B3-0DE54666D966}" type="slidenum">
-              <a:rPr lang="de-DE" smtClean="0"/>
-              <a:t>12</a:t>
-            </a:fld>
-            <a:endParaRPr lang="de-DE"/>
-          </a:p>
-        </p:txBody>
-      </p:sp>
-    </p:spTree>
-    <p:extLst>
-      <p:ext uri="{BB962C8B-B14F-4D97-AF65-F5344CB8AC3E}">
-        <p14:creationId xmlns:p14="http://schemas.microsoft.com/office/powerpoint/2010/main" val="1031819891"/>
-      </p:ext>
-    </p:extLst>
-  </p:cSld>
-  <p:clrMapOvr>
-    <a:masterClrMapping/>
-  </p:clrMapOvr>
-</p:sld>
-</file>
-
 <file path=ppt/slides/slide13.xml><?xml version="1.0" encoding="utf-8"?>
 <p:sld xmlns:a="http://schemas.openxmlformats.org/drawingml/2006/main" xmlns:r="http://schemas.openxmlformats.org/officeDocument/2006/relationships" xmlns:p="http://schemas.openxmlformats.org/presentationml/2006/main">
   <p:cSld>
@@ -8661,6 +8728,168 @@
           <p:cNvPr id="2" name="Titel 1">
             <a:extLst>
               <a:ext uri="{FF2B5EF4-FFF2-40B4-BE49-F238E27FC236}">
+                <a16:creationId xmlns:a16="http://schemas.microsoft.com/office/drawing/2014/main" id="{4CEEE2A7-11BC-4E02-B7C9-708194A66940}"/>
+              </a:ext>
+            </a:extLst>
+          </p:cNvPr>
+          <p:cNvSpPr>
+            <a:spLocks noGrp="1"/>
+          </p:cNvSpPr>
+          <p:nvPr>
+            <p:ph type="title"/>
+          </p:nvPr>
+        </p:nvSpPr>
+        <p:spPr/>
+        <p:txBody>
+          <a:bodyPr/>
+          <a:lstStyle/>
+          <a:p>
+            <a:r>
+              <a:rPr lang="de-DE" dirty="0"/>
+              <a:t>Datenerhebung</a:t>
+            </a:r>
+          </a:p>
+        </p:txBody>
+      </p:sp>
+      <p:sp>
+        <p:nvSpPr>
+          <p:cNvPr id="3" name="Inhaltsplatzhalter 2">
+            <a:extLst>
+              <a:ext uri="{FF2B5EF4-FFF2-40B4-BE49-F238E27FC236}">
+                <a16:creationId xmlns:a16="http://schemas.microsoft.com/office/drawing/2014/main" id="{BB3AF047-F188-41B0-99DE-764EEC08E780}"/>
+              </a:ext>
+            </a:extLst>
+          </p:cNvPr>
+          <p:cNvSpPr>
+            <a:spLocks noGrp="1"/>
+          </p:cNvSpPr>
+          <p:nvPr>
+            <p:ph idx="1"/>
+          </p:nvPr>
+        </p:nvSpPr>
+        <p:spPr>
+          <a:xfrm>
+            <a:off x="646111" y="2209801"/>
+            <a:ext cx="10885939" cy="4195481"/>
+          </a:xfrm>
+        </p:spPr>
+        <p:txBody>
+          <a:bodyPr/>
+          <a:lstStyle/>
+          <a:p>
+            <a:r>
+              <a:rPr lang="de-DE" dirty="0"/>
+              <a:t>Drei Songs unterschiedlicher Genres ausgesucht</a:t>
+            </a:r>
+          </a:p>
+          <a:p>
+            <a:pPr lvl="1"/>
+            <a:r>
+              <a:rPr lang="de-DE" dirty="0"/>
+              <a:t>Beethoven – Ode an die Freude</a:t>
+            </a:r>
+          </a:p>
+          <a:p>
+            <a:pPr lvl="1"/>
+            <a:r>
+              <a:rPr lang="de-DE" dirty="0"/>
+              <a:t>Chainsmokers &amp; Coldplay – Something Just Like This</a:t>
+            </a:r>
+          </a:p>
+          <a:p>
+            <a:pPr lvl="1"/>
+            <a:r>
+              <a:rPr lang="de-DE" dirty="0" err="1"/>
+              <a:t>Darude</a:t>
+            </a:r>
+            <a:r>
+              <a:rPr lang="de-DE" dirty="0"/>
+              <a:t> – </a:t>
+            </a:r>
+            <a:r>
+              <a:rPr lang="de-DE" dirty="0" err="1"/>
+              <a:t>Sandstorm</a:t>
+            </a:r>
+            <a:endParaRPr lang="de-DE" dirty="0"/>
+          </a:p>
+          <a:p>
+            <a:r>
+              <a:rPr lang="de-DE" dirty="0"/>
+              <a:t>Um zu Untersuchen wie Verfahren mit unterschiedlichen Genres umgehen</a:t>
+            </a:r>
+          </a:p>
+          <a:p>
+            <a:r>
+              <a:rPr lang="de-DE" dirty="0"/>
+              <a:t>Für SIA Daten per Hand erstellt, da zeitlicher Aspekt von Bedeutung</a:t>
+            </a:r>
+          </a:p>
+        </p:txBody>
+      </p:sp>
+      <p:sp>
+        <p:nvSpPr>
+          <p:cNvPr id="4" name="Foliennummernplatzhalter 3">
+            <a:extLst>
+              <a:ext uri="{FF2B5EF4-FFF2-40B4-BE49-F238E27FC236}">
+                <a16:creationId xmlns:a16="http://schemas.microsoft.com/office/drawing/2014/main" id="{25DC9543-C6DD-48D5-A0DA-71CC7EAA8F70}"/>
+              </a:ext>
+            </a:extLst>
+          </p:cNvPr>
+          <p:cNvSpPr>
+            <a:spLocks noGrp="1"/>
+          </p:cNvSpPr>
+          <p:nvPr>
+            <p:ph type="sldNum" sz="quarter" idx="12"/>
+          </p:nvPr>
+        </p:nvSpPr>
+        <p:spPr/>
+        <p:txBody>
+          <a:bodyPr/>
+          <a:lstStyle/>
+          <a:p>
+            <a:fld id="{0F147071-9974-42BF-81B3-0DE54666D966}" type="slidenum">
+              <a:rPr lang="de-DE" smtClean="0"/>
+              <a:t>13</a:t>
+            </a:fld>
+            <a:endParaRPr lang="de-DE"/>
+          </a:p>
+        </p:txBody>
+      </p:sp>
+    </p:spTree>
+    <p:extLst>
+      <p:ext uri="{BB962C8B-B14F-4D97-AF65-F5344CB8AC3E}">
+        <p14:creationId xmlns:p14="http://schemas.microsoft.com/office/powerpoint/2010/main" val="1031819891"/>
+      </p:ext>
+    </p:extLst>
+  </p:cSld>
+  <p:clrMapOvr>
+    <a:masterClrMapping/>
+  </p:clrMapOvr>
+</p:sld>
+</file>
+
+<file path=ppt/slides/slide14.xml><?xml version="1.0" encoding="utf-8"?>
+<p:sld xmlns:a="http://schemas.openxmlformats.org/drawingml/2006/main" xmlns:r="http://schemas.openxmlformats.org/officeDocument/2006/relationships" xmlns:p="http://schemas.openxmlformats.org/presentationml/2006/main">
+  <p:cSld>
+    <p:spTree>
+      <p:nvGrpSpPr>
+        <p:cNvPr id="1" name=""/>
+        <p:cNvGrpSpPr/>
+        <p:nvPr/>
+      </p:nvGrpSpPr>
+      <p:grpSpPr>
+        <a:xfrm>
+          <a:off x="0" y="0"/>
+          <a:ext cx="0" cy="0"/>
+          <a:chOff x="0" y="0"/>
+          <a:chExt cx="0" cy="0"/>
+        </a:xfrm>
+      </p:grpSpPr>
+      <p:sp>
+        <p:nvSpPr>
+          <p:cNvPr id="2" name="Titel 1">
+            <a:extLst>
+              <a:ext uri="{FF2B5EF4-FFF2-40B4-BE49-F238E27FC236}">
                 <a16:creationId xmlns:a16="http://schemas.microsoft.com/office/drawing/2014/main" id="{D11C7D39-5FE7-4109-B080-193975519049}"/>
               </a:ext>
             </a:extLst>
@@ -8797,7 +9026,7 @@
           <a:p>
             <a:fld id="{0F147071-9974-42BF-81B3-0DE54666D966}" type="slidenum">
               <a:rPr lang="de-DE" smtClean="0"/>
-              <a:t>13</a:t>
+              <a:t>14</a:t>
             </a:fld>
             <a:endParaRPr lang="de-DE"/>
           </a:p>
@@ -8816,7 +9045,7 @@
 </p:sld>
 </file>
 
-<file path=ppt/slides/slide14.xml><?xml version="1.0" encoding="utf-8"?>
+<file path=ppt/slides/slide15.xml><?xml version="1.0" encoding="utf-8"?>
 <p:sld xmlns:a="http://schemas.openxmlformats.org/drawingml/2006/main" xmlns:r="http://schemas.openxmlformats.org/officeDocument/2006/relationships" xmlns:p="http://schemas.openxmlformats.org/presentationml/2006/main">
   <p:cSld>
     <p:bg>
@@ -9852,7 +10081,7 @@
                   <a:spcPts val="600"/>
                 </a:spcAft>
               </a:pPr>
-              <a:t>14</a:t>
+              <a:t>15</a:t>
             </a:fld>
             <a:endParaRPr lang="de-DE">
               <a:solidFill>
@@ -9912,7 +10141,7 @@
 </p:sld>
 </file>
 
-<file path=ppt/slides/slide15.xml><?xml version="1.0" encoding="utf-8"?>
+<file path=ppt/slides/slide16.xml><?xml version="1.0" encoding="utf-8"?>
 <p:sld xmlns:a="http://schemas.openxmlformats.org/drawingml/2006/main" xmlns:r="http://schemas.openxmlformats.org/officeDocument/2006/relationships" xmlns:p="http://schemas.openxmlformats.org/presentationml/2006/main">
   <p:cSld>
     <p:bg>
@@ -10028,7 +10257,7 @@
                   <a:spcPts val="600"/>
                 </a:spcAft>
               </a:pPr>
-              <a:t>15</a:t>
+              <a:t>16</a:t>
             </a:fld>
             <a:endParaRPr lang="de-DE"/>
           </a:p>
@@ -10143,7 +10372,7 @@
 </p:sld>
 </file>
 
-<file path=ppt/slides/slide16.xml><?xml version="1.0" encoding="utf-8"?>
+<file path=ppt/slides/slide17.xml><?xml version="1.0" encoding="utf-8"?>
 <p:sld xmlns:a="http://schemas.openxmlformats.org/drawingml/2006/main" xmlns:r="http://schemas.openxmlformats.org/officeDocument/2006/relationships" xmlns:p="http://schemas.openxmlformats.org/presentationml/2006/main">
   <p:cSld>
     <p:bg>
@@ -10259,7 +10488,7 @@
                   <a:spcPts val="600"/>
                 </a:spcAft>
               </a:pPr>
-              <a:t>16</a:t>
+              <a:t>17</a:t>
             </a:fld>
             <a:endParaRPr lang="de-DE"/>
           </a:p>
@@ -10371,7 +10600,7 @@
 </p:sld>
 </file>
 
-<file path=ppt/slides/slide17.xml><?xml version="1.0" encoding="utf-8"?>
+<file path=ppt/slides/slide18.xml><?xml version="1.0" encoding="utf-8"?>
 <p:sld xmlns:a="http://schemas.openxmlformats.org/drawingml/2006/main" xmlns:r="http://schemas.openxmlformats.org/officeDocument/2006/relationships" xmlns:p="http://schemas.openxmlformats.org/presentationml/2006/main">
   <p:cSld>
     <p:bg>
@@ -10487,7 +10716,7 @@
                   <a:spcPts val="600"/>
                 </a:spcAft>
               </a:pPr>
-              <a:t>17</a:t>
+              <a:t>18</a:t>
             </a:fld>
             <a:endParaRPr lang="de-DE"/>
           </a:p>
@@ -10605,7 +10834,7 @@
 </p:sld>
 </file>
 
-<file path=ppt/slides/slide18.xml><?xml version="1.0" encoding="utf-8"?>
+<file path=ppt/slides/slide19.xml><?xml version="1.0" encoding="utf-8"?>
 <p:sld xmlns:a="http://schemas.openxmlformats.org/drawingml/2006/main" xmlns:r="http://schemas.openxmlformats.org/officeDocument/2006/relationships" xmlns:p="http://schemas.openxmlformats.org/presentationml/2006/main">
   <p:cSld>
     <p:bg>
@@ -11683,7 +11912,7 @@
                   <a:spcPts val="600"/>
                 </a:spcAft>
               </a:pPr>
-              <a:t>18</a:t>
+              <a:t>19</a:t>
             </a:fld>
             <a:endParaRPr lang="de-DE">
               <a:solidFill>
@@ -11795,176 +12024,6 @@
   </p:cSld>
   <p:clrMapOvr>
     <a:overrideClrMapping bg1="lt1" tx1="dk1" bg2="lt2" tx2="dk2" accent1="accent1" accent2="accent2" accent3="accent3" accent4="accent4" accent5="accent5" accent6="accent6" hlink="hlink" folHlink="folHlink"/>
-  </p:clrMapOvr>
-</p:sld>
-</file>
-
-<file path=ppt/slides/slide19.xml><?xml version="1.0" encoding="utf-8"?>
-<p:sld xmlns:a="http://schemas.openxmlformats.org/drawingml/2006/main" xmlns:r="http://schemas.openxmlformats.org/officeDocument/2006/relationships" xmlns:p="http://schemas.openxmlformats.org/presentationml/2006/main">
-  <p:cSld>
-    <p:spTree>
-      <p:nvGrpSpPr>
-        <p:cNvPr id="1" name=""/>
-        <p:cNvGrpSpPr/>
-        <p:nvPr/>
-      </p:nvGrpSpPr>
-      <p:grpSpPr>
-        <a:xfrm>
-          <a:off x="0" y="0"/>
-          <a:ext cx="0" cy="0"/>
-          <a:chOff x="0" y="0"/>
-          <a:chExt cx="0" cy="0"/>
-        </a:xfrm>
-      </p:grpSpPr>
-      <p:sp>
-        <p:nvSpPr>
-          <p:cNvPr id="2" name="Titel 1">
-            <a:extLst>
-              <a:ext uri="{FF2B5EF4-FFF2-40B4-BE49-F238E27FC236}">
-                <a16:creationId xmlns:a16="http://schemas.microsoft.com/office/drawing/2014/main" id="{ABE06259-A606-42EB-8F5C-6ACD0098AC9B}"/>
-              </a:ext>
-            </a:extLst>
-          </p:cNvPr>
-          <p:cNvSpPr>
-            <a:spLocks noGrp="1"/>
-          </p:cNvSpPr>
-          <p:nvPr>
-            <p:ph type="title"/>
-          </p:nvPr>
-        </p:nvSpPr>
-        <p:spPr/>
-        <p:txBody>
-          <a:bodyPr/>
-          <a:lstStyle/>
-          <a:p>
-            <a:r>
-              <a:rPr lang="de-DE" dirty="0"/>
-              <a:t>Zusammenfassung der Ergebnisse</a:t>
-            </a:r>
-          </a:p>
-        </p:txBody>
-      </p:sp>
-      <p:sp>
-        <p:nvSpPr>
-          <p:cNvPr id="3" name="Inhaltsplatzhalter 2">
-            <a:extLst>
-              <a:ext uri="{FF2B5EF4-FFF2-40B4-BE49-F238E27FC236}">
-                <a16:creationId xmlns:a16="http://schemas.microsoft.com/office/drawing/2014/main" id="{B8EC34A0-AD55-4E7F-BD6B-F07542EF0A5B}"/>
-              </a:ext>
-            </a:extLst>
-          </p:cNvPr>
-          <p:cNvSpPr>
-            <a:spLocks noGrp="1"/>
-          </p:cNvSpPr>
-          <p:nvPr>
-            <p:ph idx="1"/>
-          </p:nvPr>
-        </p:nvSpPr>
-        <p:spPr>
-          <a:xfrm>
-            <a:off x="607582" y="1853248"/>
-            <a:ext cx="11102065" cy="4186825"/>
-          </a:xfrm>
-        </p:spPr>
-        <p:txBody>
-          <a:bodyPr>
-            <a:normAutofit/>
-          </a:bodyPr>
-          <a:lstStyle/>
-          <a:p>
-            <a:r>
-              <a:rPr lang="de-DE" dirty="0"/>
-              <a:t>CNN mit Spektrum</a:t>
-            </a:r>
-          </a:p>
-          <a:p>
-            <a:pPr lvl="1"/>
-            <a:r>
-              <a:rPr lang="de-DE" dirty="0"/>
-              <a:t>Um Aussage treffen zu können ob funktionstüchtig, wird eine Menge an Hardware benötigt</a:t>
-            </a:r>
-          </a:p>
-          <a:p>
-            <a:pPr lvl="1"/>
-            <a:r>
-              <a:rPr lang="de-DE" dirty="0"/>
-              <a:t>wahrscheinlich selbes Problem wie CNN mit SIA</a:t>
-            </a:r>
-          </a:p>
-          <a:p>
-            <a:r>
-              <a:rPr lang="de-DE" dirty="0"/>
-              <a:t>CNN mit SIA</a:t>
-            </a:r>
-          </a:p>
-          <a:p>
-            <a:pPr lvl="1"/>
-            <a:r>
-              <a:rPr lang="de-DE" dirty="0"/>
-              <a:t>Fehler teilweise in Trainingsdaten</a:t>
-            </a:r>
-          </a:p>
-          <a:p>
-            <a:pPr lvl="1"/>
-            <a:r>
-              <a:rPr lang="de-DE" dirty="0"/>
-              <a:t>Falsches Anwendungsgebiet ausgewählt</a:t>
-            </a:r>
-          </a:p>
-          <a:p>
-            <a:pPr marL="457200" lvl="1" indent="0">
-              <a:buNone/>
-            </a:pPr>
-            <a:endParaRPr lang="de-DE" dirty="0"/>
-          </a:p>
-          <a:p>
-            <a:pPr lvl="1"/>
-            <a:endParaRPr lang="de-DE" dirty="0"/>
-          </a:p>
-          <a:p>
-            <a:pPr lvl="1"/>
-            <a:endParaRPr lang="de-DE" dirty="0"/>
-          </a:p>
-        </p:txBody>
-      </p:sp>
-      <p:sp>
-        <p:nvSpPr>
-          <p:cNvPr id="4" name="Foliennummernplatzhalter 3">
-            <a:extLst>
-              <a:ext uri="{FF2B5EF4-FFF2-40B4-BE49-F238E27FC236}">
-                <a16:creationId xmlns:a16="http://schemas.microsoft.com/office/drawing/2014/main" id="{8F4379EE-136D-4630-B0FA-9DC8501D8705}"/>
-              </a:ext>
-            </a:extLst>
-          </p:cNvPr>
-          <p:cNvSpPr>
-            <a:spLocks noGrp="1"/>
-          </p:cNvSpPr>
-          <p:nvPr>
-            <p:ph type="sldNum" sz="quarter" idx="12"/>
-          </p:nvPr>
-        </p:nvSpPr>
-        <p:spPr/>
-        <p:txBody>
-          <a:bodyPr/>
-          <a:lstStyle/>
-          <a:p>
-            <a:fld id="{0F147071-9974-42BF-81B3-0DE54666D966}" type="slidenum">
-              <a:rPr lang="de-DE" smtClean="0"/>
-              <a:t>19</a:t>
-            </a:fld>
-            <a:endParaRPr lang="de-DE"/>
-          </a:p>
-        </p:txBody>
-      </p:sp>
-    </p:spTree>
-    <p:extLst>
-      <p:ext uri="{BB962C8B-B14F-4D97-AF65-F5344CB8AC3E}">
-        <p14:creationId xmlns:p14="http://schemas.microsoft.com/office/powerpoint/2010/main" val="920298755"/>
-      </p:ext>
-    </p:extLst>
-  </p:cSld>
-  <p:clrMapOvr>
-    <a:masterClrMapping/>
   </p:clrMapOvr>
 </p:sld>
 </file>
@@ -12171,7 +12230,7 @@
           <p:cNvPr id="2" name="Titel 1">
             <a:extLst>
               <a:ext uri="{FF2B5EF4-FFF2-40B4-BE49-F238E27FC236}">
-                <a16:creationId xmlns:a16="http://schemas.microsoft.com/office/drawing/2014/main" id="{ADEEA8F5-021D-4950-B9BD-35053D446AF6}"/>
+                <a16:creationId xmlns:a16="http://schemas.microsoft.com/office/drawing/2014/main" id="{ABE06259-A606-42EB-8F5C-6ACD0098AC9B}"/>
               </a:ext>
             </a:extLst>
           </p:cNvPr>
@@ -12199,7 +12258,7 @@
           <p:cNvPr id="3" name="Inhaltsplatzhalter 2">
             <a:extLst>
               <a:ext uri="{FF2B5EF4-FFF2-40B4-BE49-F238E27FC236}">
-                <a16:creationId xmlns:a16="http://schemas.microsoft.com/office/drawing/2014/main" id="{C156166F-837D-40FB-A67C-9BC48AE48B8F}"/>
+                <a16:creationId xmlns:a16="http://schemas.microsoft.com/office/drawing/2014/main" id="{B8EC34A0-AD55-4E7F-BD6B-F07542EF0A5B}"/>
               </a:ext>
             </a:extLst>
           </p:cNvPr>
@@ -12212,122 +12271,67 @@
         </p:nvSpPr>
         <p:spPr>
           <a:xfrm>
-            <a:off x="1103312" y="1375794"/>
-            <a:ext cx="8946541" cy="5259898"/>
+            <a:off x="607582" y="1853248"/>
+            <a:ext cx="11102065" cy="4186825"/>
           </a:xfrm>
         </p:spPr>
         <p:txBody>
           <a:bodyPr>
-            <a:normAutofit fontScale="92500" lnSpcReduction="20000"/>
+            <a:normAutofit/>
           </a:bodyPr>
           <a:lstStyle/>
           <a:p>
             <a:r>
               <a:rPr lang="de-DE" dirty="0"/>
-              <a:t>String basierte Patternsuche</a:t>
+              <a:t>CNN mit Spektrum</a:t>
             </a:r>
           </a:p>
           <a:p>
             <a:pPr lvl="1"/>
             <a:r>
               <a:rPr lang="de-DE" dirty="0"/>
-              <a:t>Vertretbare Laufzeit</a:t>
+              <a:t>Um Aussage treffen zu können ob funktionstüchtig, wird eine Menge an Hardware benötigt</a:t>
             </a:r>
           </a:p>
           <a:p>
             <a:pPr lvl="1"/>
             <a:r>
               <a:rPr lang="de-DE" dirty="0"/>
-              <a:t>Sehr gute Ergebnisse</a:t>
+              <a:t>wahrscheinlich selbes Problem wie CNN mit SIA</a:t>
+            </a:r>
+          </a:p>
+          <a:p>
+            <a:r>
+              <a:rPr lang="de-DE" dirty="0"/>
+              <a:t>CNN mit SIA</a:t>
             </a:r>
           </a:p>
           <a:p>
             <a:pPr lvl="1"/>
             <a:r>
-              <a:rPr lang="de-DE"/>
-              <a:t>Auf </a:t>
-            </a:r>
-            <a:r>
               <a:rPr lang="de-DE" dirty="0"/>
-              <a:t>einer Höhe mit Matrix basierter Suche</a:t>
-            </a:r>
-          </a:p>
-          <a:p>
+              <a:t>Fehler teilweise in Trainingsdaten</a:t>
+            </a:r>
+          </a:p>
+          <a:p>
+            <a:pPr lvl="1"/>
             <a:r>
               <a:rPr lang="de-DE" dirty="0"/>
-              <a:t>Matrix basierte Patternsuche</a:t>
-            </a:r>
+              <a:t>Falsches Anwendungsgebiet ausgewählt</a:t>
+            </a:r>
+          </a:p>
+          <a:p>
+            <a:pPr marL="457200" lvl="1" indent="0">
+              <a:buNone/>
+            </a:pPr>
+            <a:endParaRPr lang="de-DE" dirty="0"/>
           </a:p>
           <a:p>
             <a:pPr lvl="1"/>
-            <a:r>
-              <a:rPr lang="de-DE" dirty="0"/>
-              <a:t>Sehr gute Laufzeit</a:t>
-            </a:r>
+            <a:endParaRPr lang="de-DE" dirty="0"/>
           </a:p>
           <a:p>
             <a:pPr lvl="1"/>
-            <a:r>
-              <a:rPr lang="de-DE" dirty="0"/>
-              <a:t>Gute Ergebnisse, mit Post-Processing sehr gute Ergebnisse</a:t>
-            </a:r>
-          </a:p>
-          <a:p>
-            <a:pPr lvl="1"/>
-            <a:r>
-              <a:rPr lang="de-DE" dirty="0"/>
-              <a:t>Ohne Post-Processing auf einer Höhe mit String basierter Suche</a:t>
-            </a:r>
-          </a:p>
-          <a:p>
-            <a:pPr lvl="1"/>
-            <a:r>
-              <a:rPr lang="de-DE" dirty="0"/>
-              <a:t>Mit Post-Processing bester der drei Algorithmen</a:t>
-            </a:r>
-          </a:p>
-          <a:p>
-            <a:r>
-              <a:rPr lang="de-DE" dirty="0"/>
-              <a:t>SIA</a:t>
-            </a:r>
-          </a:p>
-          <a:p>
-            <a:pPr lvl="1"/>
-            <a:r>
-              <a:rPr lang="de-DE" dirty="0"/>
-              <a:t>Gute Laufzeit für Großteil an Musikstücken</a:t>
-            </a:r>
-          </a:p>
-          <a:p>
-            <a:pPr lvl="1"/>
-            <a:r>
-              <a:rPr lang="de-DE" dirty="0"/>
-              <a:t>Schlechte Ergebnissqualität</a:t>
-            </a:r>
-          </a:p>
-          <a:p>
-            <a:pPr lvl="1"/>
-            <a:r>
-              <a:rPr lang="de-DE" dirty="0"/>
-              <a:t>Ergebnissqualität kann nur mit viel Aufwand verbessert werden</a:t>
-            </a:r>
-          </a:p>
-          <a:p>
-            <a:pPr lvl="1"/>
-            <a:r>
-              <a:rPr lang="de-DE" dirty="0"/>
-              <a:t>Kann nicht alle Pattern Arten erkennen</a:t>
-            </a:r>
-          </a:p>
-          <a:p>
-            <a:pPr lvl="1"/>
-            <a:r>
-              <a:rPr lang="de-DE" dirty="0"/>
-              <a:t>SIA am wenigsten geeignet a) Ergebnisse ohne Post-Processing unbrauchbar b) Laufzeit eskalieren im Vgl. c) nicht alle Patternarten erkannt</a:t>
-            </a:r>
-          </a:p>
-          <a:p>
             <a:endParaRPr lang="de-DE" dirty="0"/>
           </a:p>
         </p:txBody>
@@ -12337,7 +12341,7 @@
           <p:cNvPr id="4" name="Foliennummernplatzhalter 3">
             <a:extLst>
               <a:ext uri="{FF2B5EF4-FFF2-40B4-BE49-F238E27FC236}">
-                <a16:creationId xmlns:a16="http://schemas.microsoft.com/office/drawing/2014/main" id="{BF5EFFAA-438C-4F2A-9ECD-1C53184E77E1}"/>
+                <a16:creationId xmlns:a16="http://schemas.microsoft.com/office/drawing/2014/main" id="{8F4379EE-136D-4630-B0FA-9DC8501D8705}"/>
               </a:ext>
             </a:extLst>
           </p:cNvPr>
@@ -12364,7 +12368,7 @@
     </p:spTree>
     <p:extLst>
       <p:ext uri="{BB962C8B-B14F-4D97-AF65-F5344CB8AC3E}">
-        <p14:creationId xmlns:p14="http://schemas.microsoft.com/office/powerpoint/2010/main" val="578035328"/>
+        <p14:creationId xmlns:p14="http://schemas.microsoft.com/office/powerpoint/2010/main" val="920298755"/>
       </p:ext>
     </p:extLst>
   </p:cSld>
@@ -12396,6 +12400,231 @@
           <p:cNvPr id="2" name="Titel 1">
             <a:extLst>
               <a:ext uri="{FF2B5EF4-FFF2-40B4-BE49-F238E27FC236}">
+                <a16:creationId xmlns:a16="http://schemas.microsoft.com/office/drawing/2014/main" id="{ADEEA8F5-021D-4950-B9BD-35053D446AF6}"/>
+              </a:ext>
+            </a:extLst>
+          </p:cNvPr>
+          <p:cNvSpPr>
+            <a:spLocks noGrp="1"/>
+          </p:cNvSpPr>
+          <p:nvPr>
+            <p:ph type="title"/>
+          </p:nvPr>
+        </p:nvSpPr>
+        <p:spPr/>
+        <p:txBody>
+          <a:bodyPr/>
+          <a:lstStyle/>
+          <a:p>
+            <a:r>
+              <a:rPr lang="de-DE" dirty="0"/>
+              <a:t>Zusammenfassung der Ergebnisse</a:t>
+            </a:r>
+          </a:p>
+        </p:txBody>
+      </p:sp>
+      <p:sp>
+        <p:nvSpPr>
+          <p:cNvPr id="3" name="Inhaltsplatzhalter 2">
+            <a:extLst>
+              <a:ext uri="{FF2B5EF4-FFF2-40B4-BE49-F238E27FC236}">
+                <a16:creationId xmlns:a16="http://schemas.microsoft.com/office/drawing/2014/main" id="{C156166F-837D-40FB-A67C-9BC48AE48B8F}"/>
+              </a:ext>
+            </a:extLst>
+          </p:cNvPr>
+          <p:cNvSpPr>
+            <a:spLocks noGrp="1"/>
+          </p:cNvSpPr>
+          <p:nvPr>
+            <p:ph idx="1"/>
+          </p:nvPr>
+        </p:nvSpPr>
+        <p:spPr>
+          <a:xfrm>
+            <a:off x="1103312" y="1375794"/>
+            <a:ext cx="8946541" cy="5259898"/>
+          </a:xfrm>
+        </p:spPr>
+        <p:txBody>
+          <a:bodyPr>
+            <a:normAutofit fontScale="92500" lnSpcReduction="20000"/>
+          </a:bodyPr>
+          <a:lstStyle/>
+          <a:p>
+            <a:r>
+              <a:rPr lang="de-DE" dirty="0"/>
+              <a:t>String basierte Patternsuche</a:t>
+            </a:r>
+          </a:p>
+          <a:p>
+            <a:pPr lvl="1"/>
+            <a:r>
+              <a:rPr lang="de-DE" dirty="0"/>
+              <a:t>Vertretbare Laufzeit</a:t>
+            </a:r>
+          </a:p>
+          <a:p>
+            <a:pPr lvl="1"/>
+            <a:r>
+              <a:rPr lang="de-DE" dirty="0"/>
+              <a:t>Sehr gute Ergebnisse</a:t>
+            </a:r>
+          </a:p>
+          <a:p>
+            <a:pPr lvl="1"/>
+            <a:r>
+              <a:rPr lang="de-DE"/>
+              <a:t>Auf </a:t>
+            </a:r>
+            <a:r>
+              <a:rPr lang="de-DE" dirty="0"/>
+              <a:t>einer Höhe mit Matrix basierter Suche</a:t>
+            </a:r>
+          </a:p>
+          <a:p>
+            <a:r>
+              <a:rPr lang="de-DE" dirty="0"/>
+              <a:t>Matrix basierte Patternsuche</a:t>
+            </a:r>
+          </a:p>
+          <a:p>
+            <a:pPr lvl="1"/>
+            <a:r>
+              <a:rPr lang="de-DE" dirty="0"/>
+              <a:t>Sehr gute Laufzeit</a:t>
+            </a:r>
+          </a:p>
+          <a:p>
+            <a:pPr lvl="1"/>
+            <a:r>
+              <a:rPr lang="de-DE" dirty="0"/>
+              <a:t>Gute Ergebnisse, mit Post-Processing sehr gute Ergebnisse</a:t>
+            </a:r>
+          </a:p>
+          <a:p>
+            <a:pPr lvl="1"/>
+            <a:r>
+              <a:rPr lang="de-DE" dirty="0"/>
+              <a:t>Ohne Post-Processing auf einer Höhe mit String basierter Suche</a:t>
+            </a:r>
+          </a:p>
+          <a:p>
+            <a:pPr lvl="1"/>
+            <a:r>
+              <a:rPr lang="de-DE" dirty="0"/>
+              <a:t>Mit Post-Processing bester der drei Algorithmen</a:t>
+            </a:r>
+          </a:p>
+          <a:p>
+            <a:r>
+              <a:rPr lang="de-DE" dirty="0"/>
+              <a:t>SIA</a:t>
+            </a:r>
+          </a:p>
+          <a:p>
+            <a:pPr lvl="1"/>
+            <a:r>
+              <a:rPr lang="de-DE" dirty="0"/>
+              <a:t>Gute Laufzeit für Großteil an Musikstücken</a:t>
+            </a:r>
+          </a:p>
+          <a:p>
+            <a:pPr lvl="1"/>
+            <a:r>
+              <a:rPr lang="de-DE" dirty="0"/>
+              <a:t>Schlechte Ergebnissqualität</a:t>
+            </a:r>
+          </a:p>
+          <a:p>
+            <a:pPr lvl="1"/>
+            <a:r>
+              <a:rPr lang="de-DE" dirty="0"/>
+              <a:t>Ergebnissqualität kann nur mit viel Aufwand verbessert werden</a:t>
+            </a:r>
+          </a:p>
+          <a:p>
+            <a:pPr lvl="1"/>
+            <a:r>
+              <a:rPr lang="de-DE" dirty="0"/>
+              <a:t>Kann nicht alle Pattern Arten erkennen</a:t>
+            </a:r>
+          </a:p>
+          <a:p>
+            <a:pPr lvl="1"/>
+            <a:r>
+              <a:rPr lang="de-DE" dirty="0"/>
+              <a:t>SIA am wenigsten geeignet a) Ergebnisse ohne Post-Processing unbrauchbar b) Laufzeit eskalieren im Vgl. c) nicht alle Patternarten erkannt</a:t>
+            </a:r>
+          </a:p>
+          <a:p>
+            <a:endParaRPr lang="de-DE" dirty="0"/>
+          </a:p>
+        </p:txBody>
+      </p:sp>
+      <p:sp>
+        <p:nvSpPr>
+          <p:cNvPr id="4" name="Foliennummernplatzhalter 3">
+            <a:extLst>
+              <a:ext uri="{FF2B5EF4-FFF2-40B4-BE49-F238E27FC236}">
+                <a16:creationId xmlns:a16="http://schemas.microsoft.com/office/drawing/2014/main" id="{BF5EFFAA-438C-4F2A-9ECD-1C53184E77E1}"/>
+              </a:ext>
+            </a:extLst>
+          </p:cNvPr>
+          <p:cNvSpPr>
+            <a:spLocks noGrp="1"/>
+          </p:cNvSpPr>
+          <p:nvPr>
+            <p:ph type="sldNum" sz="quarter" idx="12"/>
+          </p:nvPr>
+        </p:nvSpPr>
+        <p:spPr/>
+        <p:txBody>
+          <a:bodyPr/>
+          <a:lstStyle/>
+          <a:p>
+            <a:fld id="{0F147071-9974-42BF-81B3-0DE54666D966}" type="slidenum">
+              <a:rPr lang="de-DE" smtClean="0"/>
+              <a:t>21</a:t>
+            </a:fld>
+            <a:endParaRPr lang="de-DE"/>
+          </a:p>
+        </p:txBody>
+      </p:sp>
+    </p:spTree>
+    <p:extLst>
+      <p:ext uri="{BB962C8B-B14F-4D97-AF65-F5344CB8AC3E}">
+        <p14:creationId xmlns:p14="http://schemas.microsoft.com/office/powerpoint/2010/main" val="578035328"/>
+      </p:ext>
+    </p:extLst>
+  </p:cSld>
+  <p:clrMapOvr>
+    <a:masterClrMapping/>
+  </p:clrMapOvr>
+</p:sld>
+</file>
+
+<file path=ppt/slides/slide22.xml><?xml version="1.0" encoding="utf-8"?>
+<p:sld xmlns:a="http://schemas.openxmlformats.org/drawingml/2006/main" xmlns:r="http://schemas.openxmlformats.org/officeDocument/2006/relationships" xmlns:p="http://schemas.openxmlformats.org/presentationml/2006/main">
+  <p:cSld>
+    <p:spTree>
+      <p:nvGrpSpPr>
+        <p:cNvPr id="1" name=""/>
+        <p:cNvGrpSpPr/>
+        <p:nvPr/>
+      </p:nvGrpSpPr>
+      <p:grpSpPr>
+        <a:xfrm>
+          <a:off x="0" y="0"/>
+          <a:ext cx="0" cy="0"/>
+          <a:chOff x="0" y="0"/>
+          <a:chExt cx="0" cy="0"/>
+        </a:xfrm>
+      </p:grpSpPr>
+      <p:sp>
+        <p:nvSpPr>
+          <p:cNvPr id="2" name="Titel 1">
+            <a:extLst>
+              <a:ext uri="{FF2B5EF4-FFF2-40B4-BE49-F238E27FC236}">
                 <a16:creationId xmlns:a16="http://schemas.microsoft.com/office/drawing/2014/main" id="{7CE623CC-479A-42E2-A977-B0036A684018}"/>
               </a:ext>
             </a:extLst>
@@ -12448,7 +12677,7 @@
           <a:p>
             <a:fld id="{0F147071-9974-42BF-81B3-0DE54666D966}" type="slidenum">
               <a:rPr lang="de-DE" smtClean="0"/>
-              <a:t>21</a:t>
+              <a:t>22</a:t>
             </a:fld>
             <a:endParaRPr lang="de-DE"/>
           </a:p>
@@ -12588,9 +12817,18 @@
           </a:p>
           <a:p>
             <a:r>
+              <a:rPr lang="de-DE"/>
+              <a:t>(Verfahren </a:t>
+            </a:r>
+            <a:r>
               <a:rPr lang="de-DE" dirty="0"/>
-              <a:t>Verfahren welche nicht Funktionierten</a:t>
-            </a:r>
+              <a:t>welche </a:t>
+            </a:r>
+            <a:r>
+              <a:rPr lang="de-DE"/>
+              <a:t>nicht Funktionierten)</a:t>
+            </a:r>
+            <a:endParaRPr lang="de-DE" dirty="0"/>
           </a:p>
           <a:p>
             <a:r>
@@ -13337,30 +13575,6 @@
 <file path=ppt/slides/slide8.xml><?xml version="1.0" encoding="utf-8"?>
 <p:sld xmlns:a="http://schemas.openxmlformats.org/drawingml/2006/main" xmlns:r="http://schemas.openxmlformats.org/officeDocument/2006/relationships" xmlns:p="http://schemas.openxmlformats.org/presentationml/2006/main">
   <p:cSld>
-    <p:bg>
-      <p:bgPr>
-        <a:blipFill rotWithShape="1">
-          <a:blip r:embed="rId3">
-            <a:duotone>
-              <a:schemeClr val="bg2">
-                <a:shade val="69000"/>
-                <a:hueMod val="108000"/>
-                <a:satMod val="164000"/>
-                <a:lumMod val="74000"/>
-              </a:schemeClr>
-              <a:schemeClr val="bg2">
-                <a:tint val="96000"/>
-                <a:hueMod val="88000"/>
-                <a:satMod val="140000"/>
-                <a:lumMod val="132000"/>
-              </a:schemeClr>
-            </a:duotone>
-          </a:blip>
-          <a:stretch/>
-        </a:blipFill>
-        <a:effectLst/>
-      </p:bgPr>
-    </p:bg>
     <p:spTree>
       <p:nvGrpSpPr>
         <p:cNvPr id="1" name=""/>
@@ -13380,7 +13594,7 @@
           <p:cNvPr id="2" name="Titel 1">
             <a:extLst>
               <a:ext uri="{FF2B5EF4-FFF2-40B4-BE49-F238E27FC236}">
-                <a16:creationId xmlns:a16="http://schemas.microsoft.com/office/drawing/2014/main" id="{EB83F332-EABB-4456-B49F-5E6865F620D0}"/>
+                <a16:creationId xmlns:a16="http://schemas.microsoft.com/office/drawing/2014/main" id="{4C4416D2-B03B-4D3D-98DA-906006F0A7E0}"/>
               </a:ext>
             </a:extLst>
           </p:cNvPr>
@@ -13391,96 +13605,36 @@
             <p:ph type="title"/>
           </p:nvPr>
         </p:nvSpPr>
-        <p:spPr>
-          <a:xfrm>
-            <a:off x="648930" y="629266"/>
-            <a:ext cx="9252154" cy="1223983"/>
-          </a:xfrm>
-        </p:spPr>
-        <p:txBody>
-          <a:bodyPr>
-            <a:normAutofit/>
-          </a:bodyPr>
+        <p:spPr/>
+        <p:txBody>
+          <a:bodyPr/>
           <a:lstStyle/>
           <a:p>
             <a:r>
               <a:rPr lang="de-DE" dirty="0"/>
-              <a:t>Matrix basierte Patternsuche</a:t>
-            </a:r>
-          </a:p>
-        </p:txBody>
-      </p:sp>
-      <p:sp>
-        <p:nvSpPr>
-          <p:cNvPr id="3" name="Inhaltsplatzhalter 2">
+              <a:t>String basierte Pattern Erkennung</a:t>
+            </a:r>
+          </a:p>
+        </p:txBody>
+      </p:sp>
+      <p:pic>
+        <p:nvPicPr>
+          <p:cNvPr id="6" name="Inhaltsplatzhalter 5" descr="Ein Bild, das Screenshot enthält.&#10;&#10;Automatisch generierte Beschreibung">
             <a:extLst>
               <a:ext uri="{FF2B5EF4-FFF2-40B4-BE49-F238E27FC236}">
-                <a16:creationId xmlns:a16="http://schemas.microsoft.com/office/drawing/2014/main" id="{1294BA0B-0F4A-4311-B22A-0A2956376E68}"/>
-              </a:ext>
-            </a:extLst>
-          </p:cNvPr>
-          <p:cNvSpPr>
-            <a:spLocks noGrp="1"/>
-          </p:cNvSpPr>
-          <p:nvPr>
-            <p:ph idx="1"/>
-          </p:nvPr>
-        </p:nvSpPr>
-        <p:spPr>
-          <a:xfrm>
-            <a:off x="1103312" y="2052214"/>
-            <a:ext cx="4171696" cy="4196185"/>
-          </a:xfrm>
-        </p:spPr>
-        <p:txBody>
-          <a:bodyPr>
-            <a:normAutofit/>
-          </a:bodyPr>
-          <a:lstStyle/>
-          <a:p>
-            <a:r>
-              <a:rPr lang="de-DE" dirty="0"/>
-              <a:t>Track wird in erste Zeile/Spalte der Matrix geschrieben</a:t>
-            </a:r>
-          </a:p>
-          <a:p>
-            <a:r>
-              <a:rPr lang="de-DE" dirty="0"/>
-              <a:t>Zellenindizes werden verglichen</a:t>
-            </a:r>
-          </a:p>
-          <a:p>
-            <a:pPr lvl="1"/>
-            <a:r>
-              <a:rPr lang="de-DE" dirty="0"/>
-              <a:t>Gleicher Wert = Zelle + 1</a:t>
-            </a:r>
-          </a:p>
-          <a:p>
-            <a:pPr lvl="1"/>
-            <a:r>
-              <a:rPr lang="de-DE" dirty="0"/>
-              <a:t>Unterschiedlicher Wert = nächsten zwei Zellen für Vergleich mit herangezogen</a:t>
-            </a:r>
-          </a:p>
-        </p:txBody>
-      </p:sp>
-      <p:pic>
-        <p:nvPicPr>
-          <p:cNvPr id="5" name="Grafik 4" descr="Ein Bild, das Tastatur enthält.&#10;&#10;Automatisch generierte Beschreibung">
-            <a:extLst>
-              <a:ext uri="{FF2B5EF4-FFF2-40B4-BE49-F238E27FC236}">
-                <a16:creationId xmlns:a16="http://schemas.microsoft.com/office/drawing/2014/main" id="{FA7FB3E3-8729-4A33-8F02-207F42BF82D9}"/>
+                <a16:creationId xmlns:a16="http://schemas.microsoft.com/office/drawing/2014/main" id="{3A3F6055-B842-4A4F-8ADF-BEFF33BF21D1}"/>
               </a:ext>
             </a:extLst>
           </p:cNvPr>
           <p:cNvPicPr>
-            <a:picLocks noChangeAspect="1"/>
+            <a:picLocks noGrp="1" noChangeAspect="1"/>
           </p:cNvPicPr>
-          <p:nvPr/>
+          <p:nvPr>
+            <p:ph idx="1"/>
+          </p:nvPr>
         </p:nvPicPr>
         <p:blipFill>
-          <a:blip r:embed="rId4">
+          <a:blip r:embed="rId2">
             <a:extLst>
               <a:ext uri="{28A0092B-C50C-407E-A947-70E740481C1C}">
                 <a14:useLocalDpi xmlns:a14="http://schemas.microsoft.com/office/drawing/2010/main" val="0"/>
@@ -13493,27 +13647,17 @@
         </p:blipFill>
         <p:spPr>
           <a:xfrm>
-            <a:off x="5275007" y="2052214"/>
-            <a:ext cx="6813022" cy="3378202"/>
+            <a:off x="2407299" y="1208181"/>
+            <a:ext cx="6866384" cy="5040219"/>
           </a:xfrm>
-          <a:prstGeom prst="rect">
-            <a:avLst/>
-          </a:prstGeom>
-          <a:effectLst>
-            <a:outerShdw blurRad="50800" dist="38100" dir="5400000" algn="t" rotWithShape="0">
-              <a:prstClr val="black">
-                <a:alpha val="43000"/>
-              </a:prstClr>
-            </a:outerShdw>
-          </a:effectLst>
         </p:spPr>
       </p:pic>
       <p:sp>
         <p:nvSpPr>
-          <p:cNvPr id="6" name="Foliennummernplatzhalter 5">
+          <p:cNvPr id="4" name="Foliennummernplatzhalter 3">
             <a:extLst>
               <a:ext uri="{FF2B5EF4-FFF2-40B4-BE49-F238E27FC236}">
-                <a16:creationId xmlns:a16="http://schemas.microsoft.com/office/drawing/2014/main" id="{9DBB7EF2-B1AD-4452-892B-020BD7D42298}"/>
+                <a16:creationId xmlns:a16="http://schemas.microsoft.com/office/drawing/2014/main" id="{9972F429-F13A-4D2B-A860-764161D19665}"/>
               </a:ext>
             </a:extLst>
           </p:cNvPr>
@@ -13540,7 +13684,7 @@
     </p:spTree>
     <p:extLst>
       <p:ext uri="{BB962C8B-B14F-4D97-AF65-F5344CB8AC3E}">
-        <p14:creationId xmlns:p14="http://schemas.microsoft.com/office/powerpoint/2010/main" val="2157059045"/>
+        <p14:creationId xmlns:p14="http://schemas.microsoft.com/office/powerpoint/2010/main" val="846120895"/>
       </p:ext>
     </p:extLst>
   </p:cSld>
@@ -13596,7 +13740,7 @@
           <p:cNvPr id="2" name="Titel 1">
             <a:extLst>
               <a:ext uri="{FF2B5EF4-FFF2-40B4-BE49-F238E27FC236}">
-                <a16:creationId xmlns:a16="http://schemas.microsoft.com/office/drawing/2014/main" id="{8816A112-FAB8-4C10-951D-77F60CC39D95}"/>
+                <a16:creationId xmlns:a16="http://schemas.microsoft.com/office/drawing/2014/main" id="{EB83F332-EABB-4456-B49F-5E6865F620D0}"/>
               </a:ext>
             </a:extLst>
           </p:cNvPr>
@@ -13619,14 +13763,9 @@
           </a:bodyPr>
           <a:lstStyle/>
           <a:p>
-            <a:pPr>
-              <a:lnSpc>
-                <a:spcPct val="90000"/>
-              </a:lnSpc>
-            </a:pPr>
-            <a:r>
-              <a:rPr lang="de-DE" sz="3900" dirty="0"/>
-              <a:t>Vektorgeometrische Pattern Erkennung SIA</a:t>
+            <a:r>
+              <a:rPr lang="de-DE" dirty="0"/>
+              <a:t>Matrix basierte Patternsuche</a:t>
             </a:r>
           </a:p>
         </p:txBody>
@@ -13636,7 +13775,7 @@
           <p:cNvPr id="3" name="Inhaltsplatzhalter 2">
             <a:extLst>
               <a:ext uri="{FF2B5EF4-FFF2-40B4-BE49-F238E27FC236}">
-                <a16:creationId xmlns:a16="http://schemas.microsoft.com/office/drawing/2014/main" id="{831F9BDB-407D-49CC-A4FB-312E8C51EEBB}"/>
+                <a16:creationId xmlns:a16="http://schemas.microsoft.com/office/drawing/2014/main" id="{1294BA0B-0F4A-4311-B22A-0A2956376E68}"/>
               </a:ext>
             </a:extLst>
           </p:cNvPr>
@@ -13649,8 +13788,8 @@
         </p:nvSpPr>
         <p:spPr>
           <a:xfrm>
-            <a:off x="1019421" y="2389658"/>
-            <a:ext cx="4338409" cy="4337713"/>
+            <a:off x="1103312" y="2052214"/>
+            <a:ext cx="4171696" cy="4196185"/>
           </a:xfrm>
         </p:spPr>
         <p:txBody>
@@ -13659,46 +13798,39 @@
           </a:bodyPr>
           <a:lstStyle/>
           <a:p>
-            <a:pPr>
-              <a:lnSpc>
-                <a:spcPct val="90000"/>
-              </a:lnSpc>
-            </a:pPr>
-            <a:r>
-              <a:rPr lang="de-DE" sz="1700" dirty="0"/>
-              <a:t>Vektoren zwischen den Punkten berechnen -&gt; Pattern besitzen gleiche Vektoren</a:t>
-            </a:r>
-          </a:p>
-          <a:p>
-            <a:pPr>
-              <a:lnSpc>
-                <a:spcPct val="90000"/>
-              </a:lnSpc>
-            </a:pPr>
-            <a:r>
-              <a:rPr lang="de-DE" sz="1700" dirty="0"/>
-              <a:t>In lexikografische Reihenfolge bringen</a:t>
-            </a:r>
-          </a:p>
-          <a:p>
-            <a:pPr>
-              <a:lnSpc>
-                <a:spcPct val="90000"/>
-              </a:lnSpc>
-            </a:pPr>
-            <a:r>
-              <a:rPr lang="de-DE" sz="1700" dirty="0"/>
-              <a:t>Pattern stehen in einzelnen lexikografischen Einträgen</a:t>
+            <a:r>
+              <a:rPr lang="de-DE" dirty="0"/>
+              <a:t>Track wird in erste Zeile/Spalte der Matrix geschrieben</a:t>
+            </a:r>
+          </a:p>
+          <a:p>
+            <a:r>
+              <a:rPr lang="de-DE" dirty="0"/>
+              <a:t>Zellenindizes werden verglichen</a:t>
+            </a:r>
+          </a:p>
+          <a:p>
+            <a:pPr lvl="1"/>
+            <a:r>
+              <a:rPr lang="de-DE" dirty="0"/>
+              <a:t>Gleicher Wert = Zelle + 1</a:t>
+            </a:r>
+          </a:p>
+          <a:p>
+            <a:pPr lvl="1"/>
+            <a:r>
+              <a:rPr lang="de-DE" dirty="0"/>
+              <a:t>Unterschiedlicher Wert = nächsten zwei Zellen für Vergleich mit herangezogen</a:t>
             </a:r>
           </a:p>
         </p:txBody>
       </p:sp>
       <p:pic>
         <p:nvPicPr>
-          <p:cNvPr id="5" name="Grafik 4">
+          <p:cNvPr id="5" name="Grafik 4" descr="Ein Bild, das Tastatur enthält.&#10;&#10;Automatisch generierte Beschreibung">
             <a:extLst>
               <a:ext uri="{FF2B5EF4-FFF2-40B4-BE49-F238E27FC236}">
-                <a16:creationId xmlns:a16="http://schemas.microsoft.com/office/drawing/2014/main" id="{9ED25617-6A74-45ED-9E38-BED09EA65FA8}"/>
+                <a16:creationId xmlns:a16="http://schemas.microsoft.com/office/drawing/2014/main" id="{FA7FB3E3-8729-4A33-8F02-207F42BF82D9}"/>
               </a:ext>
             </a:extLst>
           </p:cNvPr>
@@ -13721,8 +13853,8 @@
         </p:blipFill>
         <p:spPr>
           <a:xfrm>
-            <a:off x="5159382" y="1165675"/>
-            <a:ext cx="6105102" cy="5561696"/>
+            <a:off x="5275007" y="2052214"/>
+            <a:ext cx="6813022" cy="3378202"/>
           </a:xfrm>
           <a:prstGeom prst="rect">
             <a:avLst/>
@@ -13741,7 +13873,7 @@
           <p:cNvPr id="6" name="Foliennummernplatzhalter 5">
             <a:extLst>
               <a:ext uri="{FF2B5EF4-FFF2-40B4-BE49-F238E27FC236}">
-                <a16:creationId xmlns:a16="http://schemas.microsoft.com/office/drawing/2014/main" id="{7220BD05-F03E-4E70-8DED-4C37ABABCA77}"/>
+                <a16:creationId xmlns:a16="http://schemas.microsoft.com/office/drawing/2014/main" id="{9DBB7EF2-B1AD-4452-892B-020BD7D42298}"/>
               </a:ext>
             </a:extLst>
           </p:cNvPr>
@@ -13768,7 +13900,7 @@
     </p:spTree>
     <p:extLst>
       <p:ext uri="{BB962C8B-B14F-4D97-AF65-F5344CB8AC3E}">
-        <p14:creationId xmlns:p14="http://schemas.microsoft.com/office/powerpoint/2010/main" val="553071043"/>
+        <p14:creationId xmlns:p14="http://schemas.microsoft.com/office/powerpoint/2010/main" val="2157059045"/>
       </p:ext>
     </p:extLst>
   </p:cSld>
